--- a/day5/fig/fig.pptx
+++ b/day5/fig/fig.pptx
@@ -202,7 +202,7 @@
           </a:lstStyle>
           <a:p>
             <a:fld id="{234B1B89-6D29-7849-8E65-921CEBC6CA4C}" type="datetimeFigureOut">
-              <a:t>2018/10/16</a:t>
+              <a:t>2018/10/29</a:t>
             </a:fld>
             <a:endParaRPr kumimoji="1" lang="ja-JP" altLang="en-US"/>
           </a:p>
@@ -35181,51 +35181,6 @@
           </a:p>
         </p:txBody>
       </p:sp>
-      <p:cxnSp>
-        <p:nvCxnSpPr>
-          <p:cNvPr id="229" name="直線矢印コネクタ 228">
-            <a:extLst>
-              <a:ext uri="{FF2B5EF4-FFF2-40B4-BE49-F238E27FC236}">
-                <a16:creationId xmlns:a16="http://schemas.microsoft.com/office/drawing/2014/main" id="{DD2B9CD1-9546-6249-9C6E-B667BCA24068}"/>
-              </a:ext>
-            </a:extLst>
-          </p:cNvPr>
-          <p:cNvCxnSpPr>
-            <a:cxnSpLocks/>
-          </p:cNvCxnSpPr>
-          <p:nvPr/>
-        </p:nvCxnSpPr>
-        <p:spPr>
-          <a:xfrm>
-            <a:off x="5394960" y="2611120"/>
-            <a:ext cx="447040" cy="0"/>
-          </a:xfrm>
-          <a:prstGeom prst="straightConnector1">
-            <a:avLst/>
-          </a:prstGeom>
-          <a:ln>
-            <a:solidFill>
-              <a:schemeClr val="tx1"/>
-            </a:solidFill>
-            <a:headEnd type="triangle"/>
-            <a:tailEnd type="triangle"/>
-          </a:ln>
-        </p:spPr>
-        <p:style>
-          <a:lnRef idx="1">
-            <a:schemeClr val="accent1"/>
-          </a:lnRef>
-          <a:fillRef idx="0">
-            <a:schemeClr val="accent1"/>
-          </a:fillRef>
-          <a:effectRef idx="0">
-            <a:schemeClr val="accent1"/>
-          </a:effectRef>
-          <a:fontRef idx="minor">
-            <a:schemeClr val="tx1"/>
-          </a:fontRef>
-        </p:style>
-      </p:cxnSp>
       <p:sp>
         <p:nvSpPr>
           <p:cNvPr id="230" name="右矢印 229">
@@ -40551,96 +40506,6 @@
           </a:p>
         </p:txBody>
       </p:sp>
-      <p:cxnSp>
-        <p:nvCxnSpPr>
-          <p:cNvPr id="342" name="直線矢印コネクタ 341">
-            <a:extLst>
-              <a:ext uri="{FF2B5EF4-FFF2-40B4-BE49-F238E27FC236}">
-                <a16:creationId xmlns:a16="http://schemas.microsoft.com/office/drawing/2014/main" id="{E52321FA-1B2C-0441-AC5E-9017DD83128A}"/>
-              </a:ext>
-            </a:extLst>
-          </p:cNvPr>
-          <p:cNvCxnSpPr>
-            <a:cxnSpLocks/>
-          </p:cNvCxnSpPr>
-          <p:nvPr/>
-        </p:nvCxnSpPr>
-        <p:spPr>
-          <a:xfrm>
-            <a:off x="2976880" y="5618480"/>
-            <a:ext cx="447040" cy="0"/>
-          </a:xfrm>
-          <a:prstGeom prst="straightConnector1">
-            <a:avLst/>
-          </a:prstGeom>
-          <a:ln>
-            <a:solidFill>
-              <a:schemeClr val="tx1"/>
-            </a:solidFill>
-            <a:headEnd type="triangle"/>
-            <a:tailEnd type="triangle"/>
-          </a:ln>
-        </p:spPr>
-        <p:style>
-          <a:lnRef idx="1">
-            <a:schemeClr val="accent1"/>
-          </a:lnRef>
-          <a:fillRef idx="0">
-            <a:schemeClr val="accent1"/>
-          </a:fillRef>
-          <a:effectRef idx="0">
-            <a:schemeClr val="accent1"/>
-          </a:effectRef>
-          <a:fontRef idx="minor">
-            <a:schemeClr val="tx1"/>
-          </a:fontRef>
-        </p:style>
-      </p:cxnSp>
-      <p:cxnSp>
-        <p:nvCxnSpPr>
-          <p:cNvPr id="343" name="直線矢印コネクタ 342">
-            <a:extLst>
-              <a:ext uri="{FF2B5EF4-FFF2-40B4-BE49-F238E27FC236}">
-                <a16:creationId xmlns:a16="http://schemas.microsoft.com/office/drawing/2014/main" id="{1D5C9BB3-F5F3-2B4B-828C-CDF853185C41}"/>
-              </a:ext>
-            </a:extLst>
-          </p:cNvPr>
-          <p:cNvCxnSpPr>
-            <a:cxnSpLocks/>
-          </p:cNvCxnSpPr>
-          <p:nvPr/>
-        </p:nvCxnSpPr>
-        <p:spPr>
-          <a:xfrm>
-            <a:off x="5374640" y="5608320"/>
-            <a:ext cx="447040" cy="0"/>
-          </a:xfrm>
-          <a:prstGeom prst="straightConnector1">
-            <a:avLst/>
-          </a:prstGeom>
-          <a:ln>
-            <a:solidFill>
-              <a:schemeClr val="tx1"/>
-            </a:solidFill>
-            <a:headEnd type="triangle"/>
-            <a:tailEnd type="triangle"/>
-          </a:ln>
-        </p:spPr>
-        <p:style>
-          <a:lnRef idx="1">
-            <a:schemeClr val="accent1"/>
-          </a:lnRef>
-          <a:fillRef idx="0">
-            <a:schemeClr val="accent1"/>
-          </a:fillRef>
-          <a:effectRef idx="0">
-            <a:schemeClr val="accent1"/>
-          </a:effectRef>
-          <a:fontRef idx="minor">
-            <a:schemeClr val="tx1"/>
-          </a:fontRef>
-        </p:style>
-      </p:cxnSp>
       <p:sp>
         <p:nvSpPr>
           <p:cNvPr id="344" name="角丸四角形 343">

--- a/day5/fig/fig.pptx
+++ b/day5/fig/fig.pptx
@@ -5,13 +5,15 @@
     <p:sldMasterId id="2147483660" r:id="rId1"/>
   </p:sldMasterIdLst>
   <p:notesMasterIdLst>
-    <p:notesMasterId r:id="rId6"/>
+    <p:notesMasterId r:id="rId8"/>
   </p:notesMasterIdLst>
   <p:sldIdLst>
-    <p:sldId id="256" r:id="rId2"/>
-    <p:sldId id="257" r:id="rId3"/>
-    <p:sldId id="258" r:id="rId4"/>
-    <p:sldId id="259" r:id="rId5"/>
+    <p:sldId id="260" r:id="rId2"/>
+    <p:sldId id="261" r:id="rId3"/>
+    <p:sldId id="256" r:id="rId4"/>
+    <p:sldId id="257" r:id="rId5"/>
+    <p:sldId id="258" r:id="rId6"/>
+    <p:sldId id="259" r:id="rId7"/>
   </p:sldIdLst>
   <p:sldSz cx="9906000" cy="6858000" type="A4"/>
   <p:notesSz cx="6858000" cy="9144000"/>
@@ -202,7 +204,7 @@
           </a:lstStyle>
           <a:p>
             <a:fld id="{234B1B89-6D29-7849-8E65-921CEBC6CA4C}" type="datetimeFigureOut">
-              <a:t>2018/10/29</a:t>
+              <a:t>2020/3/4</a:t>
             </a:fld>
             <a:endParaRPr kumimoji="1" lang="ja-JP" altLang="en-US"/>
           </a:p>
@@ -838,6 +840,739 @@
           <a:chExt cx="0" cy="0"/>
         </a:xfrm>
       </p:grpSpPr>
+      <p:pic>
+        <p:nvPicPr>
+          <p:cNvPr id="3" name="図 2">
+            <a:extLst>
+              <a:ext uri="{FF2B5EF4-FFF2-40B4-BE49-F238E27FC236}">
+                <a16:creationId xmlns:a16="http://schemas.microsoft.com/office/drawing/2014/main" id="{6C62D3DC-EEA9-0041-B453-050C7642C22A}"/>
+              </a:ext>
+            </a:extLst>
+          </p:cNvPr>
+          <p:cNvPicPr>
+            <a:picLocks noChangeAspect="1"/>
+          </p:cNvPicPr>
+          <p:nvPr/>
+        </p:nvPicPr>
+        <p:blipFill>
+          <a:blip r:embed="rId2"/>
+          <a:stretch>
+            <a:fillRect/>
+          </a:stretch>
+        </p:blipFill>
+        <p:spPr>
+          <a:xfrm>
+            <a:off x="632520" y="620688"/>
+            <a:ext cx="2396066" cy="2396066"/>
+          </a:xfrm>
+          <a:prstGeom prst="rect">
+            <a:avLst/>
+          </a:prstGeom>
+        </p:spPr>
+      </p:pic>
+      <p:pic>
+        <p:nvPicPr>
+          <p:cNvPr id="5" name="図 4">
+            <a:extLst>
+              <a:ext uri="{FF2B5EF4-FFF2-40B4-BE49-F238E27FC236}">
+                <a16:creationId xmlns:a16="http://schemas.microsoft.com/office/drawing/2014/main" id="{5459203D-7B6C-BA46-A650-2FA312F19C5D}"/>
+              </a:ext>
+            </a:extLst>
+          </p:cNvPr>
+          <p:cNvPicPr>
+            <a:picLocks noChangeAspect="1"/>
+          </p:cNvPicPr>
+          <p:nvPr/>
+        </p:nvPicPr>
+        <p:blipFill>
+          <a:blip r:embed="rId3"/>
+          <a:stretch>
+            <a:fillRect/>
+          </a:stretch>
+        </p:blipFill>
+        <p:spPr>
+          <a:xfrm>
+            <a:off x="3872880" y="620688"/>
+            <a:ext cx="2396066" cy="2396066"/>
+          </a:xfrm>
+          <a:prstGeom prst="rect">
+            <a:avLst/>
+          </a:prstGeom>
+        </p:spPr>
+      </p:pic>
+      <p:pic>
+        <p:nvPicPr>
+          <p:cNvPr id="7" name="図 6">
+            <a:extLst>
+              <a:ext uri="{FF2B5EF4-FFF2-40B4-BE49-F238E27FC236}">
+                <a16:creationId xmlns:a16="http://schemas.microsoft.com/office/drawing/2014/main" id="{A1E020FF-0E6D-E840-AF01-D202FE211D0C}"/>
+              </a:ext>
+            </a:extLst>
+          </p:cNvPr>
+          <p:cNvPicPr>
+            <a:picLocks noChangeAspect="1"/>
+          </p:cNvPicPr>
+          <p:nvPr/>
+        </p:nvPicPr>
+        <p:blipFill>
+          <a:blip r:embed="rId4"/>
+          <a:stretch>
+            <a:fillRect/>
+          </a:stretch>
+        </p:blipFill>
+        <p:spPr>
+          <a:xfrm>
+            <a:off x="632520" y="3861048"/>
+            <a:ext cx="2396066" cy="2396066"/>
+          </a:xfrm>
+          <a:prstGeom prst="rect">
+            <a:avLst/>
+          </a:prstGeom>
+        </p:spPr>
+      </p:pic>
+      <p:pic>
+        <p:nvPicPr>
+          <p:cNvPr id="9" name="図 8">
+            <a:extLst>
+              <a:ext uri="{FF2B5EF4-FFF2-40B4-BE49-F238E27FC236}">
+                <a16:creationId xmlns:a16="http://schemas.microsoft.com/office/drawing/2014/main" id="{B2BC26A4-2F58-8B4F-A8F5-CA19FE7919FA}"/>
+              </a:ext>
+            </a:extLst>
+          </p:cNvPr>
+          <p:cNvPicPr>
+            <a:picLocks noChangeAspect="1"/>
+          </p:cNvPicPr>
+          <p:nvPr/>
+        </p:nvPicPr>
+        <p:blipFill>
+          <a:blip r:embed="rId5"/>
+          <a:stretch>
+            <a:fillRect/>
+          </a:stretch>
+        </p:blipFill>
+        <p:spPr>
+          <a:xfrm>
+            <a:off x="3872880" y="3861048"/>
+            <a:ext cx="2396066" cy="2396066"/>
+          </a:xfrm>
+          <a:prstGeom prst="rect">
+            <a:avLst/>
+          </a:prstGeom>
+        </p:spPr>
+      </p:pic>
+      <p:sp>
+        <p:nvSpPr>
+          <p:cNvPr id="11" name="右矢印 10">
+            <a:extLst>
+              <a:ext uri="{FF2B5EF4-FFF2-40B4-BE49-F238E27FC236}">
+                <a16:creationId xmlns:a16="http://schemas.microsoft.com/office/drawing/2014/main" id="{548BD0A7-3AF3-AB45-8CD5-BFA5CBC0E3BC}"/>
+              </a:ext>
+            </a:extLst>
+          </p:cNvPr>
+          <p:cNvSpPr/>
+          <p:nvPr/>
+        </p:nvSpPr>
+        <p:spPr>
+          <a:xfrm>
+            <a:off x="3296816" y="1700808"/>
+            <a:ext cx="351794" cy="298048"/>
+          </a:xfrm>
+          <a:prstGeom prst="rightArrow">
+            <a:avLst/>
+          </a:prstGeom>
+          <a:solidFill>
+            <a:srgbClr val="FF0000"/>
+          </a:solidFill>
+          <a:ln>
+            <a:solidFill>
+              <a:schemeClr val="tx1"/>
+            </a:solidFill>
+          </a:ln>
+        </p:spPr>
+        <p:style>
+          <a:lnRef idx="2">
+            <a:schemeClr val="accent1">
+              <a:shade val="50000"/>
+            </a:schemeClr>
+          </a:lnRef>
+          <a:fillRef idx="1">
+            <a:schemeClr val="accent1"/>
+          </a:fillRef>
+          <a:effectRef idx="0">
+            <a:schemeClr val="accent1"/>
+          </a:effectRef>
+          <a:fontRef idx="minor">
+            <a:schemeClr val="lt1"/>
+          </a:fontRef>
+        </p:style>
+        <p:txBody>
+          <a:bodyPr rtlCol="0" anchor="ctr"/>
+          <a:lstStyle/>
+          <a:p>
+            <a:pPr algn="ctr"/>
+            <a:endParaRPr kumimoji="1" lang="ja-JP" altLang="en-US"/>
+          </a:p>
+        </p:txBody>
+      </p:sp>
+      <p:sp>
+        <p:nvSpPr>
+          <p:cNvPr id="12" name="右矢印 11">
+            <a:extLst>
+              <a:ext uri="{FF2B5EF4-FFF2-40B4-BE49-F238E27FC236}">
+                <a16:creationId xmlns:a16="http://schemas.microsoft.com/office/drawing/2014/main" id="{7B3263F9-504D-914D-95C7-C4E4370CADA2}"/>
+              </a:ext>
+            </a:extLst>
+          </p:cNvPr>
+          <p:cNvSpPr/>
+          <p:nvPr/>
+        </p:nvSpPr>
+        <p:spPr>
+          <a:xfrm>
+            <a:off x="3224808" y="5013176"/>
+            <a:ext cx="351794" cy="298048"/>
+          </a:xfrm>
+          <a:prstGeom prst="rightArrow">
+            <a:avLst/>
+          </a:prstGeom>
+          <a:solidFill>
+            <a:srgbClr val="FF0000"/>
+          </a:solidFill>
+          <a:ln>
+            <a:solidFill>
+              <a:schemeClr val="tx1"/>
+            </a:solidFill>
+          </a:ln>
+        </p:spPr>
+        <p:style>
+          <a:lnRef idx="2">
+            <a:schemeClr val="accent1">
+              <a:shade val="50000"/>
+            </a:schemeClr>
+          </a:lnRef>
+          <a:fillRef idx="1">
+            <a:schemeClr val="accent1"/>
+          </a:fillRef>
+          <a:effectRef idx="0">
+            <a:schemeClr val="accent1"/>
+          </a:effectRef>
+          <a:fontRef idx="minor">
+            <a:schemeClr val="lt1"/>
+          </a:fontRef>
+        </p:style>
+        <p:txBody>
+          <a:bodyPr rtlCol="0" anchor="ctr"/>
+          <a:lstStyle/>
+          <a:p>
+            <a:pPr algn="ctr"/>
+            <a:endParaRPr kumimoji="1" lang="ja-JP" altLang="en-US"/>
+          </a:p>
+        </p:txBody>
+      </p:sp>
+      <p:sp>
+        <p:nvSpPr>
+          <p:cNvPr id="13" name="右矢印 12">
+            <a:extLst>
+              <a:ext uri="{FF2B5EF4-FFF2-40B4-BE49-F238E27FC236}">
+                <a16:creationId xmlns:a16="http://schemas.microsoft.com/office/drawing/2014/main" id="{59794FA4-6D4C-E944-B602-A90850E7D7D4}"/>
+              </a:ext>
+            </a:extLst>
+          </p:cNvPr>
+          <p:cNvSpPr/>
+          <p:nvPr/>
+        </p:nvSpPr>
+        <p:spPr>
+          <a:xfrm rot="8100000">
+            <a:off x="3206657" y="3293706"/>
+            <a:ext cx="351794" cy="298048"/>
+          </a:xfrm>
+          <a:prstGeom prst="rightArrow">
+            <a:avLst/>
+          </a:prstGeom>
+          <a:solidFill>
+            <a:srgbClr val="FF0000"/>
+          </a:solidFill>
+          <a:ln>
+            <a:solidFill>
+              <a:schemeClr val="tx1"/>
+            </a:solidFill>
+          </a:ln>
+        </p:spPr>
+        <p:style>
+          <a:lnRef idx="2">
+            <a:schemeClr val="accent1">
+              <a:shade val="50000"/>
+            </a:schemeClr>
+          </a:lnRef>
+          <a:fillRef idx="1">
+            <a:schemeClr val="accent1"/>
+          </a:fillRef>
+          <a:effectRef idx="0">
+            <a:schemeClr val="accent1"/>
+          </a:effectRef>
+          <a:fontRef idx="minor">
+            <a:schemeClr val="lt1"/>
+          </a:fontRef>
+        </p:style>
+        <p:txBody>
+          <a:bodyPr rtlCol="0" anchor="ctr"/>
+          <a:lstStyle/>
+          <a:p>
+            <a:pPr algn="ctr"/>
+            <a:endParaRPr kumimoji="1" lang="ja-JP" altLang="en-US"/>
+          </a:p>
+        </p:txBody>
+      </p:sp>
+    </p:spTree>
+    <p:extLst>
+      <p:ext uri="{BB962C8B-B14F-4D97-AF65-F5344CB8AC3E}">
+        <p14:creationId xmlns:p14="http://schemas.microsoft.com/office/powerpoint/2010/main" val="3468090777"/>
+      </p:ext>
+    </p:extLst>
+  </p:cSld>
+  <p:clrMapOvr>
+    <a:masterClrMapping/>
+  </p:clrMapOvr>
+</p:sld>
+</file>
+
+<file path=ppt/slides/slide2.xml><?xml version="1.0" encoding="utf-8"?>
+<p:sld xmlns:a="http://schemas.openxmlformats.org/drawingml/2006/main" xmlns:r="http://schemas.openxmlformats.org/officeDocument/2006/relationships" xmlns:p="http://schemas.openxmlformats.org/presentationml/2006/main">
+  <p:cSld>
+    <p:spTree>
+      <p:nvGrpSpPr>
+        <p:cNvPr id="1" name=""/>
+        <p:cNvGrpSpPr/>
+        <p:nvPr/>
+      </p:nvGrpSpPr>
+      <p:grpSpPr>
+        <a:xfrm>
+          <a:off x="0" y="0"/>
+          <a:ext cx="0" cy="0"/>
+          <a:chOff x="0" y="0"/>
+          <a:chExt cx="0" cy="0"/>
+        </a:xfrm>
+      </p:grpSpPr>
+      <p:pic>
+        <p:nvPicPr>
+          <p:cNvPr id="3" name="図 2">
+            <a:extLst>
+              <a:ext uri="{FF2B5EF4-FFF2-40B4-BE49-F238E27FC236}">
+                <a16:creationId xmlns:a16="http://schemas.microsoft.com/office/drawing/2014/main" id="{A2046EBC-2ED8-8943-83FF-06E263A6B00A}"/>
+              </a:ext>
+            </a:extLst>
+          </p:cNvPr>
+          <p:cNvPicPr>
+            <a:picLocks noChangeAspect="1"/>
+          </p:cNvPicPr>
+          <p:nvPr/>
+        </p:nvPicPr>
+        <p:blipFill>
+          <a:blip r:embed="rId2"/>
+          <a:stretch>
+            <a:fillRect/>
+          </a:stretch>
+        </p:blipFill>
+        <p:spPr>
+          <a:xfrm>
+            <a:off x="1496616" y="795288"/>
+            <a:ext cx="1337568" cy="1337568"/>
+          </a:xfrm>
+          <a:prstGeom prst="rect">
+            <a:avLst/>
+          </a:prstGeom>
+        </p:spPr>
+      </p:pic>
+      <p:pic>
+        <p:nvPicPr>
+          <p:cNvPr id="5" name="図 4">
+            <a:extLst>
+              <a:ext uri="{FF2B5EF4-FFF2-40B4-BE49-F238E27FC236}">
+                <a16:creationId xmlns:a16="http://schemas.microsoft.com/office/drawing/2014/main" id="{531CF755-F7A0-5148-B947-7095C5FC3B1A}"/>
+              </a:ext>
+            </a:extLst>
+          </p:cNvPr>
+          <p:cNvPicPr>
+            <a:picLocks noChangeAspect="1"/>
+          </p:cNvPicPr>
+          <p:nvPr/>
+        </p:nvPicPr>
+        <p:blipFill>
+          <a:blip r:embed="rId3"/>
+          <a:stretch>
+            <a:fillRect/>
+          </a:stretch>
+        </p:blipFill>
+        <p:spPr>
+          <a:xfrm>
+            <a:off x="1496616" y="2307456"/>
+            <a:ext cx="1337568" cy="1337568"/>
+          </a:xfrm>
+          <a:prstGeom prst="rect">
+            <a:avLst/>
+          </a:prstGeom>
+        </p:spPr>
+      </p:pic>
+      <p:pic>
+        <p:nvPicPr>
+          <p:cNvPr id="7" name="図 6">
+            <a:extLst>
+              <a:ext uri="{FF2B5EF4-FFF2-40B4-BE49-F238E27FC236}">
+                <a16:creationId xmlns:a16="http://schemas.microsoft.com/office/drawing/2014/main" id="{D5C6B8F5-0048-4B48-B22A-F47767542D9D}"/>
+              </a:ext>
+            </a:extLst>
+          </p:cNvPr>
+          <p:cNvPicPr>
+            <a:picLocks noChangeAspect="1"/>
+          </p:cNvPicPr>
+          <p:nvPr/>
+        </p:nvPicPr>
+        <p:blipFill>
+          <a:blip r:embed="rId4"/>
+          <a:stretch>
+            <a:fillRect/>
+          </a:stretch>
+        </p:blipFill>
+        <p:spPr>
+          <a:xfrm>
+            <a:off x="1496616" y="3819624"/>
+            <a:ext cx="1337568" cy="1337568"/>
+          </a:xfrm>
+          <a:prstGeom prst="rect">
+            <a:avLst/>
+          </a:prstGeom>
+        </p:spPr>
+      </p:pic>
+      <p:pic>
+        <p:nvPicPr>
+          <p:cNvPr id="9" name="図 8">
+            <a:extLst>
+              <a:ext uri="{FF2B5EF4-FFF2-40B4-BE49-F238E27FC236}">
+                <a16:creationId xmlns:a16="http://schemas.microsoft.com/office/drawing/2014/main" id="{B37D0815-40F1-0C45-9E3C-0EC387B2A809}"/>
+              </a:ext>
+            </a:extLst>
+          </p:cNvPr>
+          <p:cNvPicPr>
+            <a:picLocks noChangeAspect="1"/>
+          </p:cNvPicPr>
+          <p:nvPr/>
+        </p:nvPicPr>
+        <p:blipFill>
+          <a:blip r:embed="rId5"/>
+          <a:stretch>
+            <a:fillRect/>
+          </a:stretch>
+        </p:blipFill>
+        <p:spPr>
+          <a:xfrm>
+            <a:off x="1496616" y="5301208"/>
+            <a:ext cx="1337568" cy="1337568"/>
+          </a:xfrm>
+          <a:prstGeom prst="rect">
+            <a:avLst/>
+          </a:prstGeom>
+        </p:spPr>
+      </p:pic>
+      <p:pic>
+        <p:nvPicPr>
+          <p:cNvPr id="11" name="図 10">
+            <a:extLst>
+              <a:ext uri="{FF2B5EF4-FFF2-40B4-BE49-F238E27FC236}">
+                <a16:creationId xmlns:a16="http://schemas.microsoft.com/office/drawing/2014/main" id="{25E18939-21C6-D842-8FC8-8B29E0EB038F}"/>
+              </a:ext>
+            </a:extLst>
+          </p:cNvPr>
+          <p:cNvPicPr>
+            <a:picLocks noChangeAspect="1"/>
+          </p:cNvPicPr>
+          <p:nvPr/>
+        </p:nvPicPr>
+        <p:blipFill>
+          <a:blip r:embed="rId2"/>
+          <a:stretch>
+            <a:fillRect/>
+          </a:stretch>
+        </p:blipFill>
+        <p:spPr>
+          <a:xfrm>
+            <a:off x="3368824" y="795288"/>
+            <a:ext cx="1337568" cy="1337568"/>
+          </a:xfrm>
+          <a:prstGeom prst="rect">
+            <a:avLst/>
+          </a:prstGeom>
+        </p:spPr>
+      </p:pic>
+      <p:pic>
+        <p:nvPicPr>
+          <p:cNvPr id="13" name="図 12">
+            <a:extLst>
+              <a:ext uri="{FF2B5EF4-FFF2-40B4-BE49-F238E27FC236}">
+                <a16:creationId xmlns:a16="http://schemas.microsoft.com/office/drawing/2014/main" id="{988F29E5-DB90-D649-8517-04F2F6C069A1}"/>
+              </a:ext>
+            </a:extLst>
+          </p:cNvPr>
+          <p:cNvPicPr>
+            <a:picLocks noChangeAspect="1"/>
+          </p:cNvPicPr>
+          <p:nvPr/>
+        </p:nvPicPr>
+        <p:blipFill>
+          <a:blip r:embed="rId3"/>
+          <a:stretch>
+            <a:fillRect/>
+          </a:stretch>
+        </p:blipFill>
+        <p:spPr>
+          <a:xfrm>
+            <a:off x="3368824" y="2307456"/>
+            <a:ext cx="1337568" cy="1337568"/>
+          </a:xfrm>
+          <a:prstGeom prst="rect">
+            <a:avLst/>
+          </a:prstGeom>
+        </p:spPr>
+      </p:pic>
+      <p:pic>
+        <p:nvPicPr>
+          <p:cNvPr id="15" name="図 14">
+            <a:extLst>
+              <a:ext uri="{FF2B5EF4-FFF2-40B4-BE49-F238E27FC236}">
+                <a16:creationId xmlns:a16="http://schemas.microsoft.com/office/drawing/2014/main" id="{B5F024D9-6E8F-5649-8196-0C1C6BAD0D89}"/>
+              </a:ext>
+            </a:extLst>
+          </p:cNvPr>
+          <p:cNvPicPr>
+            <a:picLocks noChangeAspect="1"/>
+          </p:cNvPicPr>
+          <p:nvPr/>
+        </p:nvPicPr>
+        <p:blipFill>
+          <a:blip r:embed="rId4"/>
+          <a:stretch>
+            <a:fillRect/>
+          </a:stretch>
+        </p:blipFill>
+        <p:spPr>
+          <a:xfrm>
+            <a:off x="3368824" y="3819624"/>
+            <a:ext cx="1337568" cy="1337568"/>
+          </a:xfrm>
+          <a:prstGeom prst="rect">
+            <a:avLst/>
+          </a:prstGeom>
+        </p:spPr>
+      </p:pic>
+      <p:pic>
+        <p:nvPicPr>
+          <p:cNvPr id="17" name="図 16">
+            <a:extLst>
+              <a:ext uri="{FF2B5EF4-FFF2-40B4-BE49-F238E27FC236}">
+                <a16:creationId xmlns:a16="http://schemas.microsoft.com/office/drawing/2014/main" id="{D3F1687A-B08E-3A4A-A53E-E7A8ED9DDA57}"/>
+              </a:ext>
+            </a:extLst>
+          </p:cNvPr>
+          <p:cNvPicPr>
+            <a:picLocks noChangeAspect="1"/>
+          </p:cNvPicPr>
+          <p:nvPr/>
+        </p:nvPicPr>
+        <p:blipFill>
+          <a:blip r:embed="rId6"/>
+          <a:stretch>
+            <a:fillRect/>
+          </a:stretch>
+        </p:blipFill>
+        <p:spPr>
+          <a:xfrm>
+            <a:off x="3368824" y="5301208"/>
+            <a:ext cx="1337568" cy="1337568"/>
+          </a:xfrm>
+          <a:prstGeom prst="rect">
+            <a:avLst/>
+          </a:prstGeom>
+        </p:spPr>
+      </p:pic>
+      <p:sp>
+        <p:nvSpPr>
+          <p:cNvPr id="18" name="テキスト ボックス 17">
+            <a:extLst>
+              <a:ext uri="{FF2B5EF4-FFF2-40B4-BE49-F238E27FC236}">
+                <a16:creationId xmlns:a16="http://schemas.microsoft.com/office/drawing/2014/main" id="{E3EA2C68-0E27-7A4B-9DF3-F3B0E2914469}"/>
+              </a:ext>
+            </a:extLst>
+          </p:cNvPr>
+          <p:cNvSpPr txBox="1"/>
+          <p:nvPr/>
+        </p:nvSpPr>
+        <p:spPr>
+          <a:xfrm>
+            <a:off x="1496616" y="404664"/>
+            <a:ext cx="1338828" cy="369332"/>
+          </a:xfrm>
+          <a:prstGeom prst="rect">
+            <a:avLst/>
+          </a:prstGeom>
+          <a:noFill/>
+        </p:spPr>
+        <p:txBody>
+          <a:bodyPr wrap="none" rtlCol="0">
+            <a:spAutoFit/>
+          </a:bodyPr>
+          <a:lstStyle/>
+          <a:p>
+            <a:r>
+              <a:rPr kumimoji="1" lang="ja-JP" altLang="en-US"/>
+              <a:t>シリアル版</a:t>
+            </a:r>
+          </a:p>
+        </p:txBody>
+      </p:sp>
+      <p:sp>
+        <p:nvSpPr>
+          <p:cNvPr id="19" name="テキスト ボックス 18">
+            <a:extLst>
+              <a:ext uri="{FF2B5EF4-FFF2-40B4-BE49-F238E27FC236}">
+                <a16:creationId xmlns:a16="http://schemas.microsoft.com/office/drawing/2014/main" id="{46422CD3-2A9B-C343-815F-A2D72FF46233}"/>
+              </a:ext>
+            </a:extLst>
+          </p:cNvPr>
+          <p:cNvSpPr txBox="1"/>
+          <p:nvPr/>
+        </p:nvSpPr>
+        <p:spPr>
+          <a:xfrm>
+            <a:off x="3656856" y="404664"/>
+            <a:ext cx="788999" cy="369332"/>
+          </a:xfrm>
+          <a:prstGeom prst="rect">
+            <a:avLst/>
+          </a:prstGeom>
+          <a:noFill/>
+        </p:spPr>
+        <p:txBody>
+          <a:bodyPr wrap="none" rtlCol="0">
+            <a:spAutoFit/>
+          </a:bodyPr>
+          <a:lstStyle/>
+          <a:p>
+            <a:r>
+              <a:rPr kumimoji="1" lang="en-US" altLang="ja-JP"/>
+              <a:t>MPI</a:t>
+            </a:r>
+            <a:r>
+              <a:rPr kumimoji="1" lang="ja-JP" altLang="en-US"/>
+              <a:t>版</a:t>
+            </a:r>
+          </a:p>
+        </p:txBody>
+      </p:sp>
+      <p:cxnSp>
+        <p:nvCxnSpPr>
+          <p:cNvPr id="21" name="直線矢印コネクタ 20">
+            <a:extLst>
+              <a:ext uri="{FF2B5EF4-FFF2-40B4-BE49-F238E27FC236}">
+                <a16:creationId xmlns:a16="http://schemas.microsoft.com/office/drawing/2014/main" id="{6E87683E-4415-DF4E-AA50-9D5837733D81}"/>
+              </a:ext>
+            </a:extLst>
+          </p:cNvPr>
+          <p:cNvCxnSpPr/>
+          <p:nvPr/>
+        </p:nvCxnSpPr>
+        <p:spPr>
+          <a:xfrm>
+            <a:off x="992560" y="1556792"/>
+            <a:ext cx="0" cy="4392488"/>
+          </a:xfrm>
+          <a:prstGeom prst="straightConnector1">
+            <a:avLst/>
+          </a:prstGeom>
+          <a:ln>
+            <a:solidFill>
+              <a:schemeClr val="tx1"/>
+            </a:solidFill>
+            <a:tailEnd type="triangle"/>
+          </a:ln>
+        </p:spPr>
+        <p:style>
+          <a:lnRef idx="1">
+            <a:schemeClr val="accent1"/>
+          </a:lnRef>
+          <a:fillRef idx="0">
+            <a:schemeClr val="accent1"/>
+          </a:fillRef>
+          <a:effectRef idx="0">
+            <a:schemeClr val="accent1"/>
+          </a:effectRef>
+          <a:fontRef idx="minor">
+            <a:schemeClr val="tx1"/>
+          </a:fontRef>
+        </p:style>
+      </p:cxnSp>
+      <p:sp>
+        <p:nvSpPr>
+          <p:cNvPr id="22" name="テキスト ボックス 21">
+            <a:extLst>
+              <a:ext uri="{FF2B5EF4-FFF2-40B4-BE49-F238E27FC236}">
+                <a16:creationId xmlns:a16="http://schemas.microsoft.com/office/drawing/2014/main" id="{13F745FF-C294-7747-84ED-DD63536BF0FC}"/>
+              </a:ext>
+            </a:extLst>
+          </p:cNvPr>
+          <p:cNvSpPr txBox="1"/>
+          <p:nvPr/>
+        </p:nvSpPr>
+        <p:spPr>
+          <a:xfrm>
+            <a:off x="704528" y="1052736"/>
+            <a:ext cx="646331" cy="369332"/>
+          </a:xfrm>
+          <a:prstGeom prst="rect">
+            <a:avLst/>
+          </a:prstGeom>
+          <a:noFill/>
+        </p:spPr>
+        <p:txBody>
+          <a:bodyPr wrap="none" rtlCol="0">
+            <a:spAutoFit/>
+          </a:bodyPr>
+          <a:lstStyle/>
+          <a:p>
+            <a:r>
+              <a:rPr kumimoji="1" lang="ja-JP" altLang="en-US"/>
+              <a:t>時間</a:t>
+            </a:r>
+          </a:p>
+        </p:txBody>
+      </p:sp>
+    </p:spTree>
+    <p:extLst>
+      <p:ext uri="{BB962C8B-B14F-4D97-AF65-F5344CB8AC3E}">
+        <p14:creationId xmlns:p14="http://schemas.microsoft.com/office/powerpoint/2010/main" val="2267315304"/>
+      </p:ext>
+    </p:extLst>
+  </p:cSld>
+  <p:clrMapOvr>
+    <a:masterClrMapping/>
+  </p:clrMapOvr>
+</p:sld>
+</file>
+
+<file path=ppt/slides/slide3.xml><?xml version="1.0" encoding="utf-8"?>
+<p:sld xmlns:a="http://schemas.openxmlformats.org/drawingml/2006/main" xmlns:r="http://schemas.openxmlformats.org/officeDocument/2006/relationships" xmlns:p="http://schemas.openxmlformats.org/presentationml/2006/main">
+  <p:cSld>
+    <p:spTree>
+      <p:nvGrpSpPr>
+        <p:cNvPr id="1" name=""/>
+        <p:cNvGrpSpPr/>
+        <p:nvPr/>
+      </p:nvGrpSpPr>
+      <p:grpSpPr>
+        <a:xfrm>
+          <a:off x="0" y="0"/>
+          <a:ext cx="0" cy="0"/>
+          <a:chOff x="0" y="0"/>
+          <a:chExt cx="0" cy="0"/>
+        </a:xfrm>
+      </p:grpSpPr>
       <p:sp>
         <p:nvSpPr>
           <p:cNvPr id="2" name="正方形/長方形 1">
@@ -14297,7 +15032,7 @@
 </p:sld>
 </file>
 
-<file path=ppt/slides/slide2.xml><?xml version="1.0" encoding="utf-8"?>
+<file path=ppt/slides/slide4.xml><?xml version="1.0" encoding="utf-8"?>
 <p:sld xmlns:a="http://schemas.openxmlformats.org/drawingml/2006/main" xmlns:r="http://schemas.openxmlformats.org/officeDocument/2006/relationships" xmlns:p="http://schemas.openxmlformats.org/presentationml/2006/main">
   <p:cSld>
     <p:spTree>
@@ -29893,7 +30628,7 @@
 </p:sld>
 </file>
 
-<file path=ppt/slides/slide3.xml><?xml version="1.0" encoding="utf-8"?>
+<file path=ppt/slides/slide5.xml><?xml version="1.0" encoding="utf-8"?>
 <p:sld xmlns:a="http://schemas.openxmlformats.org/drawingml/2006/main" xmlns:r="http://schemas.openxmlformats.org/officeDocument/2006/relationships" xmlns:p="http://schemas.openxmlformats.org/presentationml/2006/main">
   <p:cSld>
     <p:spTree>
@@ -40978,7 +41713,7 @@
 </p:sld>
 </file>
 
-<file path=ppt/slides/slide4.xml><?xml version="1.0" encoding="utf-8"?>
+<file path=ppt/slides/slide6.xml><?xml version="1.0" encoding="utf-8"?>
 <p:sld xmlns:a="http://schemas.openxmlformats.org/drawingml/2006/main" xmlns:r="http://schemas.openxmlformats.org/officeDocument/2006/relationships" xmlns:p="http://schemas.openxmlformats.org/presentationml/2006/main">
   <p:cSld>
     <p:spTree>
